--- a/week8/week8.pptx
+++ b/week8/week8.pptx
@@ -855,7 +855,7 @@
             <a:fld id="{B61BEF0D-F0BB-DE4B-95CE-6DB70DBA9567}" type="datetimeFigureOut">
               <a:rPr lang="en-US" dirty="0"/>
               <a:pPr/>
-              <a:t>3/12/18</a:t>
+              <a:t>3/25/18</a:t>
             </a:fld>
             <a:endParaRPr lang="en-US" dirty="0"/>
           </a:p>
@@ -1103,7 +1103,7 @@
             <a:fld id="{B61BEF0D-F0BB-DE4B-95CE-6DB70DBA9567}" type="datetimeFigureOut">
               <a:rPr lang="en-US" dirty="0"/>
               <a:pPr/>
-              <a:t>3/12/18</a:t>
+              <a:t>3/25/18</a:t>
             </a:fld>
             <a:endParaRPr lang="en-US" dirty="0"/>
           </a:p>
@@ -1414,7 +1414,7 @@
             <a:fld id="{B61BEF0D-F0BB-DE4B-95CE-6DB70DBA9567}" type="datetimeFigureOut">
               <a:rPr lang="en-US" dirty="0"/>
               <a:pPr/>
-              <a:t>3/12/18</a:t>
+              <a:t>3/25/18</a:t>
             </a:fld>
             <a:endParaRPr lang="en-US" dirty="0"/>
           </a:p>
@@ -1752,7 +1752,7 @@
             <a:fld id="{B61BEF0D-F0BB-DE4B-95CE-6DB70DBA9567}" type="datetimeFigureOut">
               <a:rPr lang="en-US" dirty="0"/>
               <a:pPr/>
-              <a:t>3/12/18</a:t>
+              <a:t>3/25/18</a:t>
             </a:fld>
             <a:endParaRPr lang="en-US" dirty="0"/>
           </a:p>
@@ -2063,7 +2063,7 @@
             <a:fld id="{B61BEF0D-F0BB-DE4B-95CE-6DB70DBA9567}" type="datetimeFigureOut">
               <a:rPr lang="en-US" dirty="0"/>
               <a:pPr/>
-              <a:t>3/12/18</a:t>
+              <a:t>3/25/18</a:t>
             </a:fld>
             <a:endParaRPr lang="en-US" dirty="0"/>
           </a:p>
@@ -2453,7 +2453,7 @@
             <a:fld id="{B61BEF0D-F0BB-DE4B-95CE-6DB70DBA9567}" type="datetimeFigureOut">
               <a:rPr lang="en-US" dirty="0"/>
               <a:pPr/>
-              <a:t>3/12/18</a:t>
+              <a:t>3/25/18</a:t>
             </a:fld>
             <a:endParaRPr lang="en-US" dirty="0"/>
           </a:p>
@@ -2619,7 +2619,7 @@
           <a:p>
             <a:fld id="{55C6B4A9-1611-4792-9094-5F34BCA07E0B}" type="datetimeFigureOut">
               <a:rPr lang="en-US" dirty="0"/>
-              <a:t>3/12/18</a:t>
+              <a:t>3/25/18</a:t>
             </a:fld>
             <a:endParaRPr lang="en-US" dirty="0"/>
           </a:p>
@@ -2795,7 +2795,7 @@
             <a:fld id="{B61BEF0D-F0BB-DE4B-95CE-6DB70DBA9567}" type="datetimeFigureOut">
               <a:rPr lang="en-US" dirty="0"/>
               <a:pPr/>
-              <a:t>3/12/18</a:t>
+              <a:t>3/25/18</a:t>
             </a:fld>
             <a:endParaRPr lang="en-US" dirty="0"/>
           </a:p>
@@ -2968,7 +2968,7 @@
             <a:fld id="{B61BEF0D-F0BB-DE4B-95CE-6DB70DBA9567}" type="datetimeFigureOut">
               <a:rPr lang="en-US" dirty="0"/>
               <a:pPr/>
-              <a:t>3/12/18</a:t>
+              <a:t>3/25/18</a:t>
             </a:fld>
             <a:endParaRPr lang="en-US" dirty="0"/>
           </a:p>
@@ -3212,7 +3212,7 @@
             <a:fld id="{B61BEF0D-F0BB-DE4B-95CE-6DB70DBA9567}" type="datetimeFigureOut">
               <a:rPr lang="en-US" dirty="0"/>
               <a:pPr/>
-              <a:t>3/12/18</a:t>
+              <a:t>3/25/18</a:t>
             </a:fld>
             <a:endParaRPr lang="en-US" dirty="0"/>
           </a:p>
@@ -3440,7 +3440,7 @@
           <a:p>
             <a:fld id="{EB712588-04B1-427B-82EE-E8DB90309F08}" type="datetimeFigureOut">
               <a:rPr lang="en-US" dirty="0"/>
-              <a:t>3/12/18</a:t>
+              <a:t>3/25/18</a:t>
             </a:fld>
             <a:endParaRPr lang="en-US" dirty="0"/>
           </a:p>
@@ -3810,7 +3810,7 @@
             <a:fld id="{B61BEF0D-F0BB-DE4B-95CE-6DB70DBA9567}" type="datetimeFigureOut">
               <a:rPr lang="en-US" dirty="0"/>
               <a:pPr/>
-              <a:t>3/12/18</a:t>
+              <a:t>3/25/18</a:t>
             </a:fld>
             <a:endParaRPr lang="en-US" dirty="0"/>
           </a:p>
@@ -3930,7 +3930,7 @@
             <a:fld id="{B61BEF0D-F0BB-DE4B-95CE-6DB70DBA9567}" type="datetimeFigureOut">
               <a:rPr lang="en-US" dirty="0"/>
               <a:pPr/>
-              <a:t>3/12/18</a:t>
+              <a:t>3/25/18</a:t>
             </a:fld>
             <a:endParaRPr lang="en-US" dirty="0"/>
           </a:p>
@@ -4022,7 +4022,7 @@
             <a:fld id="{B61BEF0D-F0BB-DE4B-95CE-6DB70DBA9567}" type="datetimeFigureOut">
               <a:rPr lang="en-US" dirty="0"/>
               <a:pPr/>
-              <a:t>3/12/18</a:t>
+              <a:t>3/25/18</a:t>
             </a:fld>
             <a:endParaRPr lang="en-US" dirty="0"/>
           </a:p>
@@ -4273,7 +4273,7 @@
           <a:p>
             <a:fld id="{42A54C80-263E-416B-A8E0-580EDEADCBDC}" type="datetimeFigureOut">
               <a:rPr lang="en-US" dirty="0"/>
-              <a:t>3/12/18</a:t>
+              <a:t>3/25/18</a:t>
             </a:fld>
             <a:endParaRPr lang="en-US" dirty="0"/>
           </a:p>
@@ -4532,7 +4532,7 @@
             <a:fld id="{B61BEF0D-F0BB-DE4B-95CE-6DB70DBA9567}" type="datetimeFigureOut">
               <a:rPr lang="en-US" dirty="0"/>
               <a:pPr/>
-              <a:t>3/12/18</a:t>
+              <a:t>3/25/18</a:t>
             </a:fld>
             <a:endParaRPr lang="en-US" dirty="0"/>
           </a:p>
@@ -5272,7 +5272,7 @@
             <a:fld id="{B61BEF0D-F0BB-DE4B-95CE-6DB70DBA9567}" type="datetimeFigureOut">
               <a:rPr lang="en-US" dirty="0"/>
               <a:pPr/>
-              <a:t>3/12/18</a:t>
+              <a:t>3/25/18</a:t>
             </a:fld>
             <a:endParaRPr lang="en-US" dirty="0"/>
           </a:p>
@@ -8471,7 +8471,7 @@
           <a:p>
             <a:r>
               <a:rPr lang="en-US" dirty="0"/>
-              <a:t>Project 8</a:t>
+              <a:t>Project 6</a:t>
             </a:r>
           </a:p>
         </p:txBody>
@@ -8526,8 +8526,13 @@
             <a:pPr lvl="1"/>
             <a:r>
               <a:rPr lang="en-US" dirty="0"/>
-              <a:t>Add cart and service model classes</a:t>
-            </a:r>
+              <a:t>Add cart model and </a:t>
+            </a:r>
+            <a:r>
+              <a:rPr lang="en-US"/>
+              <a:t>service classes</a:t>
+            </a:r>
+            <a:endParaRPr lang="en-US" dirty="0"/>
           </a:p>
           <a:p>
             <a:pPr lvl="1"/>
